--- a/presentation/BSc Presentation GZ.pptx
+++ b/presentation/BSc Presentation GZ.pptx
@@ -6105,11 +6105,7 @@
           <a:p>
             <a:r>
               <a:rPr lang="nl-NL" dirty="0" smtClean="0"/>
-              <a:t>Guido </a:t>
-            </a:r>
-            <a:r>
-              <a:rPr lang="nl-NL" dirty="0" smtClean="0"/>
-              <a:t>Zuidhof</a:t>
+              <a:t>Guido Zuidhof</a:t>
             </a:r>
           </a:p>
           <a:p>
@@ -6122,7 +6118,6 @@
               <a:rPr lang="nl-NL" dirty="0" smtClean="0"/>
               <a:t>Bachelor artificial intelligence</a:t>
             </a:r>
-            <a:endParaRPr lang="nl-NL" dirty="0" smtClean="0"/>
           </a:p>
           <a:p>
             <a:r>
@@ -6322,15 +6317,7 @@
             </a:pPr>
             <a:r>
               <a:rPr lang="nl-NL" dirty="0" smtClean="0"/>
-              <a:t> </a:t>
-            </a:r>
-            <a:r>
-              <a:rPr lang="nl-NL" dirty="0" smtClean="0"/>
-              <a:t>Measure </a:t>
-            </a:r>
-            <a:r>
-              <a:rPr lang="nl-NL" dirty="0" smtClean="0"/>
-              <a:t>GSR data using tasks with varying difficulty</a:t>
+              <a:t> Measure GSR data using tasks with varying difficulty</a:t>
             </a:r>
           </a:p>
           <a:p>
@@ -6457,11 +6444,7 @@
             </a:pPr>
             <a:r>
               <a:rPr lang="nl-NL" dirty="0" smtClean="0"/>
-              <a:t>Arithmetic tasks with varying </a:t>
-            </a:r>
-            <a:r>
-              <a:rPr lang="nl-NL" dirty="0" smtClean="0"/>
-              <a:t>difficulty, that evoke cognitive load </a:t>
+              <a:t>Arithmetic tasks with varying difficulty, that evoke cognitive load </a:t>
             </a:r>
             <a:r>
               <a:rPr lang="nl-NL" dirty="0" smtClean="0">
@@ -6473,13 +6456,6 @@
               </a:rPr>
               <a:t>(based on [1])</a:t>
             </a:r>
-            <a:endParaRPr lang="nl-NL" dirty="0" smtClean="0">
-              <a:solidFill>
-                <a:schemeClr val="bg1">
-                  <a:lumMod val="65000"/>
-                </a:schemeClr>
-              </a:solidFill>
-            </a:endParaRPr>
           </a:p>
           <a:p>
             <a:pPr>
@@ -6488,11 +6464,7 @@
             </a:pPr>
             <a:r>
               <a:rPr lang="nl-NL" dirty="0" smtClean="0"/>
-              <a:t>Addition of four numbers, presented one by </a:t>
-            </a:r>
-            <a:r>
-              <a:rPr lang="nl-NL" dirty="0" smtClean="0"/>
-              <a:t>one</a:t>
+              <a:t>Addition of four numbers, presented one by one</a:t>
             </a:r>
           </a:p>
           <a:p>
@@ -8172,7 +8144,7 @@
           <a:noFill/>
           <a:extLst>
             <a:ext uri="{909E8E84-426E-40dd-AFC4-6F175D3DCCD1}">
-              <a14:hiddenFill xmlns:a14="http://schemas.microsoft.com/office/drawing/2010/main" xmlns="">
+              <a14:hiddenFill xmlns="" xmlns:a14="http://schemas.microsoft.com/office/drawing/2010/main">
                 <a:solidFill>
                   <a:srgbClr val="FFFFFF"/>
                 </a:solidFill>
@@ -8248,7 +8220,7 @@
           <a:noFill/>
           <a:extLst>
             <a:ext uri="{909E8E84-426E-40dd-AFC4-6F175D3DCCD1}">
-              <a14:hiddenFill xmlns:a14="http://schemas.microsoft.com/office/drawing/2010/main" xmlns="">
+              <a14:hiddenFill xmlns="" xmlns:a14="http://schemas.microsoft.com/office/drawing/2010/main">
                 <a:solidFill>
                   <a:srgbClr val="FFFFFF"/>
                 </a:solidFill>
@@ -8289,7 +8261,7 @@
           <a:noFill/>
           <a:extLst>
             <a:ext uri="{909E8E84-426E-40dd-AFC4-6F175D3DCCD1}">
-              <a14:hiddenFill xmlns:a14="http://schemas.microsoft.com/office/drawing/2010/main" xmlns="">
+              <a14:hiddenFill xmlns="" xmlns:a14="http://schemas.microsoft.com/office/drawing/2010/main">
                 <a:solidFill>
                   <a:srgbClr val="FFFFFF"/>
                 </a:solidFill>
@@ -8761,7 +8733,7 @@
           <a:noFill/>
           <a:extLst>
             <a:ext uri="{909E8E84-426E-40dd-AFC4-6F175D3DCCD1}">
-              <a14:hiddenFill xmlns:a14="http://schemas.microsoft.com/office/drawing/2010/main" xmlns="">
+              <a14:hiddenFill xmlns="" xmlns:a14="http://schemas.microsoft.com/office/drawing/2010/main">
                 <a:solidFill>
                   <a:srgbClr val="FFFFFF"/>
                 </a:solidFill>
@@ -9229,7 +9201,7 @@
           <a:noFill/>
           <a:extLst>
             <a:ext uri="{909E8E84-426E-40dd-AFC4-6F175D3DCCD1}">
-              <a14:hiddenFill xmlns:a14="http://schemas.microsoft.com/office/drawing/2010/main" xmlns="">
+              <a14:hiddenFill xmlns="" xmlns:a14="http://schemas.microsoft.com/office/drawing/2010/main">
                 <a:solidFill>
                   <a:srgbClr val="FFFFFF"/>
                 </a:solidFill>
@@ -9270,7 +9242,7 @@
           <a:noFill/>
           <a:extLst>
             <a:ext uri="{909E8E84-426E-40dd-AFC4-6F175D3DCCD1}">
-              <a14:hiddenFill xmlns:a14="http://schemas.microsoft.com/office/drawing/2010/main" xmlns="">
+              <a14:hiddenFill xmlns="" xmlns:a14="http://schemas.microsoft.com/office/drawing/2010/main">
                 <a:solidFill>
                   <a:srgbClr val="FFFFFF"/>
                 </a:solidFill>
@@ -9311,7 +9283,7 @@
           <a:noFill/>
           <a:extLst>
             <a:ext uri="{909E8E84-426E-40dd-AFC4-6F175D3DCCD1}">
-              <a14:hiddenFill xmlns:a14="http://schemas.microsoft.com/office/drawing/2010/main" xmlns="">
+              <a14:hiddenFill xmlns="" xmlns:a14="http://schemas.microsoft.com/office/drawing/2010/main">
                 <a:solidFill>
                   <a:srgbClr val="FFFFFF"/>
                 </a:solidFill>
@@ -10534,11 +10506,7 @@
           <a:p>
             <a:r>
               <a:rPr lang="en-US" dirty="0" smtClean="0"/>
-              <a:t>The amount of information a human is trying to process in working memory at any one time</a:t>
-            </a:r>
-            <a:r>
-              <a:rPr lang="en-US" dirty="0" smtClean="0"/>
-              <a:t>.</a:t>
+              <a:t>The amount of information a human is trying to process in working memory at any one time.</a:t>
             </a:r>
           </a:p>
           <a:p>
@@ -10596,11 +10564,7 @@
             </a:r>
             <a:r>
               <a:rPr lang="en-US" sz="1800" i="1" dirty="0" smtClean="0"/>
-              <a:t>“</a:t>
-            </a:r>
-            <a:r>
-              <a:rPr lang="en-US" sz="1800" i="1" dirty="0" smtClean="0"/>
-              <a:t>Cognitive overload”</a:t>
+              <a:t>“Cognitive overload”</a:t>
             </a:r>
           </a:p>
           <a:p>
@@ -10634,23 +10598,16 @@
             </a:r>
             <a:r>
               <a:rPr lang="en-US" dirty="0" smtClean="0"/>
-              <a:t>Automatic difficulty adjustment</a:t>
-            </a:r>
-          </a:p>
-          <a:p>
-            <a:pPr>
-              <a:buFont typeface="Wingdings" panose="05000000000000000000" pitchFamily="2" charset="2"/>
-              <a:buChar char="§"/>
-            </a:pPr>
-            <a:r>
-              <a:rPr lang="en-US" b="1" dirty="0"/>
-              <a:t> </a:t>
-            </a:r>
-            <a:r>
-              <a:rPr lang="nl-NL" dirty="0"/>
-              <a:t>People on the autism spectrum do display physiological response</a:t>
-            </a:r>
-            <a:endParaRPr lang="en-US" dirty="0" smtClean="0"/>
+              <a:t>Dynamic </a:t>
+            </a:r>
+            <a:r>
+              <a:rPr lang="en-US" dirty="0" smtClean="0"/>
+              <a:t>difficulty </a:t>
+            </a:r>
+            <a:r>
+              <a:rPr lang="en-US" dirty="0" smtClean="0"/>
+              <a:t>adjustment</a:t>
+            </a:r>
           </a:p>
           <a:p>
             <a:pPr>
@@ -10838,37 +10795,6 @@
                                   </p:childTnLst>
                                 </p:cTn>
                               </p:par>
-                              <p:par>
-                                <p:cTn id="11" presetID="1" presetClass="entr" presetSubtype="0" fill="hold" nodeType="withEffect">
-                                  <p:stCondLst>
-                                    <p:cond delay="0"/>
-                                  </p:stCondLst>
-                                  <p:childTnLst>
-                                    <p:set>
-                                      <p:cBhvr>
-                                        <p:cTn id="12" dur="1" fill="hold">
-                                          <p:stCondLst>
-                                            <p:cond delay="0"/>
-                                          </p:stCondLst>
-                                        </p:cTn>
-                                        <p:tgtEl>
-                                          <p:spTgt spid="3">
-                                            <p:txEl>
-                                              <p:pRg st="8" end="8"/>
-                                            </p:txEl>
-                                          </p:spTgt>
-                                        </p:tgtEl>
-                                        <p:attrNameLst>
-                                          <p:attrName>style.visibility</p:attrName>
-                                        </p:attrNameLst>
-                                      </p:cBhvr>
-                                      <p:to>
-                                        <p:strVal val="visible"/>
-                                      </p:to>
-                                    </p:set>
-                                  </p:childTnLst>
-                                </p:cTn>
-                              </p:par>
                             </p:childTnLst>
                           </p:cTn>
                         </p:par>
@@ -11296,7 +11222,7 @@
           </a:effectLst>
           <a:extLst>
             <a:ext uri="{909E8E84-426E-40dd-AFC4-6F175D3DCCD1}">
-              <a14:hiddenFill xmlns:a14="http://schemas.microsoft.com/office/drawing/2010/main" xmlns="">
+              <a14:hiddenFill xmlns="" xmlns:a14="http://schemas.microsoft.com/office/drawing/2010/main">
                 <a:solidFill>
                   <a:srgbClr val="FFFFFF"/>
                 </a:solidFill>
@@ -11337,7 +11263,7 @@
           <a:noFill/>
           <a:extLst>
             <a:ext uri="{909E8E84-426E-40dd-AFC4-6F175D3DCCD1}">
-              <a14:hiddenFill xmlns:a14="http://schemas.microsoft.com/office/drawing/2010/main" xmlns="">
+              <a14:hiddenFill xmlns="" xmlns:a14="http://schemas.microsoft.com/office/drawing/2010/main">
                 <a:solidFill>
                   <a:srgbClr val="FFFFFF"/>
                 </a:solidFill>
@@ -11690,7 +11616,7 @@
           <p:nvPr>
             <p:extLst>
               <p:ext uri="{D42A27DB-BD31-4B8C-83A1-F6EECF244321}">
-                <p14:modId xmlns:p14="http://schemas.microsoft.com/office/powerpoint/2010/main" val="766698323"/>
+                <p14:modId xmlns:p14="http://schemas.microsoft.com/office/powerpoint/2010/main" val="1940973331"/>
               </p:ext>
             </p:extLst>
           </p:nvPr>
@@ -12000,10 +11926,18 @@
                     <a:lstStyle/>
                     <a:p>
                       <a:r>
-                        <a:rPr lang="nl-NL" dirty="0" smtClean="0"/>
+                        <a:rPr lang="nl-NL" dirty="0" smtClean="0">
+                          <a:solidFill>
+                            <a:srgbClr val="FF0000"/>
+                          </a:solidFill>
+                        </a:rPr>
                         <a:t>6.25%</a:t>
                       </a:r>
-                      <a:endParaRPr lang="nl-NL" dirty="0"/>
+                      <a:endParaRPr lang="nl-NL" dirty="0">
+                        <a:solidFill>
+                          <a:srgbClr val="FF0000"/>
+                        </a:solidFill>
+                      </a:endParaRPr>
                     </a:p>
                   </a:txBody>
                   <a:tcPr/>
@@ -12034,10 +11968,18 @@
                     <a:lstStyle/>
                     <a:p>
                       <a:r>
-                        <a:rPr lang="nl-NL" dirty="0" smtClean="0"/>
+                        <a:rPr lang="nl-NL" dirty="0" smtClean="0">
+                          <a:solidFill>
+                            <a:srgbClr val="FF0000"/>
+                          </a:solidFill>
+                        </a:rPr>
                         <a:t>18.75%</a:t>
                       </a:r>
-                      <a:endParaRPr lang="nl-NL" dirty="0"/>
+                      <a:endParaRPr lang="nl-NL" dirty="0">
+                        <a:solidFill>
+                          <a:srgbClr val="FF0000"/>
+                        </a:solidFill>
+                      </a:endParaRPr>
                     </a:p>
                   </a:txBody>
                   <a:tcPr/>
@@ -12176,14 +12118,14 @@
           <p:nvPr>
             <p:extLst>
               <p:ext uri="{D42A27DB-BD31-4B8C-83A1-F6EECF244321}">
-                <p14:modId xmlns:p14="http://schemas.microsoft.com/office/powerpoint/2010/main" val="3426301166"/>
+                <p14:modId xmlns:p14="http://schemas.microsoft.com/office/powerpoint/2010/main" val="2772775314"/>
               </p:ext>
             </p:extLst>
           </p:nvPr>
         </p:nvGraphicFramePr>
         <p:xfrm>
           <a:off x="1202441" y="2284515"/>
-          <a:ext cx="8127999" cy="3337560"/>
+          <a:ext cx="8127999" cy="3378114"/>
         </p:xfrm>
         <a:graphic>
           <a:graphicData uri="http://schemas.openxmlformats.org/drawingml/2006/table">
@@ -12361,7 +12303,7 @@
                   <a:tcPr/>
                 </a:tc>
               </a:tr>
-              <a:tr h="370840">
+              <a:tr h="411394">
                 <a:tc>
                   <a:txBody>
                     <a:bodyPr/>
@@ -12586,10 +12528,18 @@
                     <a:lstStyle/>
                     <a:p>
                       <a:r>
-                        <a:rPr lang="nl-NL" dirty="0" smtClean="0"/>
+                        <a:rPr lang="nl-NL" dirty="0" smtClean="0">
+                          <a:solidFill>
+                            <a:srgbClr val="FF0000"/>
+                          </a:solidFill>
+                        </a:rPr>
                         <a:t>6.25%</a:t>
                       </a:r>
-                      <a:endParaRPr lang="nl-NL" dirty="0"/>
+                      <a:endParaRPr lang="nl-NL" dirty="0">
+                        <a:solidFill>
+                          <a:srgbClr val="FF0000"/>
+                        </a:solidFill>
+                      </a:endParaRPr>
                     </a:p>
                   </a:txBody>
                   <a:tcPr/>
@@ -12634,10 +12584,18 @@
                     <a:lstStyle/>
                     <a:p>
                       <a:r>
-                        <a:rPr lang="nl-NL" dirty="0" smtClean="0"/>
+                        <a:rPr lang="nl-NL" dirty="0" smtClean="0">
+                          <a:solidFill>
+                            <a:srgbClr val="FF0000"/>
+                          </a:solidFill>
+                        </a:rPr>
                         <a:t>18.75%</a:t>
                       </a:r>
-                      <a:endParaRPr lang="nl-NL" dirty="0"/>
+                      <a:endParaRPr lang="nl-NL" dirty="0">
+                        <a:solidFill>
+                          <a:srgbClr val="FF0000"/>
+                        </a:solidFill>
+                      </a:endParaRPr>
                     </a:p>
                   </a:txBody>
                   <a:tcPr/>
@@ -12801,11 +12759,7 @@
             </a:pPr>
             <a:r>
               <a:rPr lang="nl-NL" dirty="0" smtClean="0"/>
-              <a:t>Classification accuracy is </a:t>
-            </a:r>
-            <a:r>
-              <a:rPr lang="nl-NL" dirty="0" smtClean="0"/>
-              <a:t>reasonable, not great. </a:t>
+              <a:t>Classification accuracy is reasonable, not great. </a:t>
             </a:r>
             <a:r>
               <a:rPr lang="nl-NL" dirty="0"/>
@@ -12873,27 +12827,7 @@
             </a:pPr>
             <a:r>
               <a:rPr lang="nl-NL" dirty="0" smtClean="0"/>
-              <a:t>Do </a:t>
-            </a:r>
-            <a:r>
-              <a:rPr lang="nl-NL" dirty="0" smtClean="0"/>
-              <a:t>these tasks evoke sufficient </a:t>
-            </a:r>
-            <a:r>
-              <a:rPr lang="nl-NL" dirty="0" smtClean="0"/>
-              <a:t>cognitive load</a:t>
-            </a:r>
-            <a:r>
-              <a:rPr lang="nl-NL" dirty="0" smtClean="0"/>
-              <a:t> </a:t>
-            </a:r>
-            <a:r>
-              <a:rPr lang="nl-NL" dirty="0" smtClean="0"/>
-              <a:t>difference</a:t>
-            </a:r>
-            <a:r>
-              <a:rPr lang="nl-NL" dirty="0" smtClean="0"/>
-              <a:t>?</a:t>
+              <a:t>Do these tasks evoke sufficient cognitive load difference?</a:t>
             </a:r>
           </a:p>
           <a:p>
@@ -13090,13 +13024,8 @@
             </a:pPr>
             <a:r>
               <a:rPr lang="nl-NL" dirty="0" smtClean="0"/>
-              <a:t> Using biometrics to determine cognitive load outside of the lab is </a:t>
-            </a:r>
-            <a:r>
-              <a:rPr lang="nl-NL" dirty="0" smtClean="0"/>
-              <a:t>exciting</a:t>
-            </a:r>
-            <a:endParaRPr lang="nl-NL" dirty="0" smtClean="0"/>
+              <a:t> Using biometrics to determine cognitive load outside of the lab is exciting</a:t>
+            </a:r>
           </a:p>
           <a:p>
             <a:pPr>
@@ -14076,7 +14005,7 @@
           <a:noFill/>
           <a:extLst>
             <a:ext uri="{909E8E84-426E-40dd-AFC4-6F175D3DCCD1}">
-              <a14:hiddenFill xmlns:a14="http://schemas.microsoft.com/office/drawing/2010/main" xmlns="">
+              <a14:hiddenFill xmlns="" xmlns:a14="http://schemas.microsoft.com/office/drawing/2010/main">
                 <a:solidFill>
                   <a:srgbClr val="FFFFFF"/>
                 </a:solidFill>
@@ -14175,7 +14104,7 @@
           <a:noFill/>
           <a:extLst>
             <a:ext uri="{909E8E84-426E-40dd-AFC4-6F175D3DCCD1}">
-              <a14:hiddenFill xmlns:a14="http://schemas.microsoft.com/office/drawing/2010/main" xmlns="">
+              <a14:hiddenFill xmlns="" xmlns:a14="http://schemas.microsoft.com/office/drawing/2010/main">
                 <a:solidFill>
                   <a:srgbClr val="FFFFFF"/>
                 </a:solidFill>
@@ -14216,7 +14145,7 @@
           <a:noFill/>
           <a:extLst>
             <a:ext uri="{909E8E84-426E-40dd-AFC4-6F175D3DCCD1}">
-              <a14:hiddenFill xmlns:a14="http://schemas.microsoft.com/office/drawing/2010/main" xmlns="">
+              <a14:hiddenFill xmlns="" xmlns:a14="http://schemas.microsoft.com/office/drawing/2010/main">
                 <a:solidFill>
                   <a:srgbClr val="FFFFFF"/>
                 </a:solidFill>
@@ -15202,7 +15131,6 @@
               <a:rPr lang="nl-NL" sz="2800" dirty="0" smtClean="0"/>
               <a:t>Blink rate</a:t>
             </a:r>
-            <a:endParaRPr lang="nl-NL" sz="2800" dirty="0" smtClean="0"/>
           </a:p>
         </p:txBody>
       </p:sp>
@@ -15238,7 +15166,7 @@
           <a:noFill/>
           <a:extLst>
             <a:ext uri="{909E8E84-426E-40dd-AFC4-6F175D3DCCD1}">
-              <a14:hiddenFill xmlns:a14="http://schemas.microsoft.com/office/drawing/2010/main" xmlns="">
+              <a14:hiddenFill xmlns="" xmlns:a14="http://schemas.microsoft.com/office/drawing/2010/main">
                 <a:solidFill>
                   <a:srgbClr val="FFFFFF"/>
                 </a:solidFill>
@@ -15279,7 +15207,7 @@
           <a:noFill/>
           <a:extLst>
             <a:ext uri="{909E8E84-426E-40dd-AFC4-6F175D3DCCD1}">
-              <a14:hiddenFill xmlns:a14="http://schemas.microsoft.com/office/drawing/2010/main" xmlns="">
+              <a14:hiddenFill xmlns="" xmlns:a14="http://schemas.microsoft.com/office/drawing/2010/main">
                 <a:solidFill>
                   <a:srgbClr val="FFFFFF"/>
                 </a:solidFill>
@@ -15388,7 +15316,7 @@
           <a:noFill/>
           <a:extLst>
             <a:ext uri="{909E8E84-426E-40dd-AFC4-6F175D3DCCD1}">
-              <a14:hiddenFill xmlns:a14="http://schemas.microsoft.com/office/drawing/2010/main" xmlns="">
+              <a14:hiddenFill xmlns="" xmlns:a14="http://schemas.microsoft.com/office/drawing/2010/main">
                 <a:solidFill>
                   <a:srgbClr val="FFFFFF"/>
                 </a:solidFill>
@@ -16277,7 +16205,6 @@
               <a:rPr lang="nl-NL" sz="2800" dirty="0" smtClean="0"/>
               <a:t> Blink rate</a:t>
             </a:r>
-            <a:endParaRPr lang="nl-NL" sz="2800" dirty="0" smtClean="0"/>
           </a:p>
         </p:txBody>
       </p:sp>
@@ -16353,7 +16280,7 @@
           <a:noFill/>
           <a:extLst>
             <a:ext uri="{909E8E84-426E-40dd-AFC4-6F175D3DCCD1}">
-              <a14:hiddenFill xmlns:a14="http://schemas.microsoft.com/office/drawing/2010/main" xmlns="">
+              <a14:hiddenFill xmlns="" xmlns:a14="http://schemas.microsoft.com/office/drawing/2010/main">
                 <a:solidFill>
                   <a:srgbClr val="FFFFFF"/>
                 </a:solidFill>
@@ -16578,7 +16505,7 @@
           <a:noFill/>
           <a:extLst>
             <a:ext uri="{909E8E84-426E-40dd-AFC4-6F175D3DCCD1}">
-              <a14:hiddenFill xmlns:a14="http://schemas.microsoft.com/office/drawing/2010/main" xmlns="">
+              <a14:hiddenFill xmlns="" xmlns:a14="http://schemas.microsoft.com/office/drawing/2010/main">
                 <a:solidFill>
                   <a:srgbClr val="FFFFFF"/>
                 </a:solidFill>
@@ -16619,7 +16546,7 @@
           <a:noFill/>
           <a:extLst>
             <a:ext uri="{909E8E84-426E-40dd-AFC4-6F175D3DCCD1}">
-              <a14:hiddenFill xmlns:a14="http://schemas.microsoft.com/office/drawing/2010/main" xmlns="">
+              <a14:hiddenFill xmlns="" xmlns:a14="http://schemas.microsoft.com/office/drawing/2010/main">
                 <a:solidFill>
                   <a:srgbClr val="FFFFFF"/>
                 </a:solidFill>
@@ -16660,7 +16587,7 @@
           <a:noFill/>
           <a:extLst>
             <a:ext uri="{909E8E84-426E-40dd-AFC4-6F175D3DCCD1}">
-              <a14:hiddenFill xmlns:a14="http://schemas.microsoft.com/office/drawing/2010/main" xmlns="">
+              <a14:hiddenFill xmlns="" xmlns:a14="http://schemas.microsoft.com/office/drawing/2010/main">
                 <a:solidFill>
                   <a:srgbClr val="FFFFFF"/>
                 </a:solidFill>
